--- a/TRABAJOS/G_01_0710_Cuesta_Amado/PruebasUnitariasRev1.PPTX
+++ b/TRABAJOS/G_01_0710_Cuesta_Amado/PruebasUnitariasRev1.PPTX
@@ -880,7 +880,7 @@
           <a:p>
             <a:fld id="{B5BE90A3-8FC3-4BA7-AF50-6655241C0473}" type="datetimeFigureOut">
               <a:rPr lang="es-PE" smtClean="0"/>
-              <a:t>22/02/2017</a:t>
+              <a:t>27/02/2017</a:t>
             </a:fld>
             <a:endParaRPr lang="es-PE"/>
           </a:p>
@@ -1131,7 +1131,7 @@
           <a:p>
             <a:fld id="{B5BE90A3-8FC3-4BA7-AF50-6655241C0473}" type="datetimeFigureOut">
               <a:rPr lang="es-PE" smtClean="0"/>
-              <a:t>22/02/2017</a:t>
+              <a:t>27/02/2017</a:t>
             </a:fld>
             <a:endParaRPr lang="es-PE"/>
           </a:p>
@@ -1445,7 +1445,7 @@
           <a:p>
             <a:fld id="{B5BE90A3-8FC3-4BA7-AF50-6655241C0473}" type="datetimeFigureOut">
               <a:rPr lang="es-PE" smtClean="0"/>
-              <a:t>22/02/2017</a:t>
+              <a:t>27/02/2017</a:t>
             </a:fld>
             <a:endParaRPr lang="es-PE"/>
           </a:p>
@@ -1778,7 +1778,7 @@
           <a:p>
             <a:fld id="{B5BE90A3-8FC3-4BA7-AF50-6655241C0473}" type="datetimeFigureOut">
               <a:rPr lang="es-PE" smtClean="0"/>
-              <a:t>22/02/2017</a:t>
+              <a:t>27/02/2017</a:t>
             </a:fld>
             <a:endParaRPr lang="es-PE"/>
           </a:p>
@@ -2092,7 +2092,7 @@
           <a:p>
             <a:fld id="{B5BE90A3-8FC3-4BA7-AF50-6655241C0473}" type="datetimeFigureOut">
               <a:rPr lang="es-PE" smtClean="0"/>
-              <a:t>22/02/2017</a:t>
+              <a:t>27/02/2017</a:t>
             </a:fld>
             <a:endParaRPr lang="es-PE"/>
           </a:p>
@@ -2485,7 +2485,7 @@
           <a:p>
             <a:fld id="{B5BE90A3-8FC3-4BA7-AF50-6655241C0473}" type="datetimeFigureOut">
               <a:rPr lang="es-PE" smtClean="0"/>
-              <a:t>22/02/2017</a:t>
+              <a:t>27/02/2017</a:t>
             </a:fld>
             <a:endParaRPr lang="es-PE"/>
           </a:p>
@@ -2655,7 +2655,7 @@
           <a:p>
             <a:fld id="{B5BE90A3-8FC3-4BA7-AF50-6655241C0473}" type="datetimeFigureOut">
               <a:rPr lang="es-PE" smtClean="0"/>
-              <a:t>22/02/2017</a:t>
+              <a:t>27/02/2017</a:t>
             </a:fld>
             <a:endParaRPr lang="es-PE"/>
           </a:p>
@@ -2835,7 +2835,7 @@
           <a:p>
             <a:fld id="{B5BE90A3-8FC3-4BA7-AF50-6655241C0473}" type="datetimeFigureOut">
               <a:rPr lang="es-PE" smtClean="0"/>
-              <a:t>22/02/2017</a:t>
+              <a:t>27/02/2017</a:t>
             </a:fld>
             <a:endParaRPr lang="es-PE"/>
           </a:p>
@@ -3005,7 +3005,7 @@
           <a:p>
             <a:fld id="{B5BE90A3-8FC3-4BA7-AF50-6655241C0473}" type="datetimeFigureOut">
               <a:rPr lang="es-PE" smtClean="0"/>
-              <a:t>22/02/2017</a:t>
+              <a:t>27/02/2017</a:t>
             </a:fld>
             <a:endParaRPr lang="es-PE"/>
           </a:p>
@@ -3252,7 +3252,7 @@
           <a:p>
             <a:fld id="{B5BE90A3-8FC3-4BA7-AF50-6655241C0473}" type="datetimeFigureOut">
               <a:rPr lang="es-PE" smtClean="0"/>
-              <a:t>22/02/2017</a:t>
+              <a:t>27/02/2017</a:t>
             </a:fld>
             <a:endParaRPr lang="es-PE"/>
           </a:p>
@@ -3484,7 +3484,7 @@
           <a:p>
             <a:fld id="{B5BE90A3-8FC3-4BA7-AF50-6655241C0473}" type="datetimeFigureOut">
               <a:rPr lang="es-PE" smtClean="0"/>
-              <a:t>22/02/2017</a:t>
+              <a:t>27/02/2017</a:t>
             </a:fld>
             <a:endParaRPr lang="es-PE"/>
           </a:p>
@@ -3858,7 +3858,7 @@
           <a:p>
             <a:fld id="{B5BE90A3-8FC3-4BA7-AF50-6655241C0473}" type="datetimeFigureOut">
               <a:rPr lang="es-PE" smtClean="0"/>
-              <a:t>22/02/2017</a:t>
+              <a:t>27/02/2017</a:t>
             </a:fld>
             <a:endParaRPr lang="es-PE"/>
           </a:p>
@@ -3981,7 +3981,7 @@
           <a:p>
             <a:fld id="{B5BE90A3-8FC3-4BA7-AF50-6655241C0473}" type="datetimeFigureOut">
               <a:rPr lang="es-PE" smtClean="0"/>
-              <a:t>22/02/2017</a:t>
+              <a:t>27/02/2017</a:t>
             </a:fld>
             <a:endParaRPr lang="es-PE"/>
           </a:p>
@@ -4076,7 +4076,7 @@
           <a:p>
             <a:fld id="{B5BE90A3-8FC3-4BA7-AF50-6655241C0473}" type="datetimeFigureOut">
               <a:rPr lang="es-PE" smtClean="0"/>
-              <a:t>22/02/2017</a:t>
+              <a:t>27/02/2017</a:t>
             </a:fld>
             <a:endParaRPr lang="es-PE"/>
           </a:p>
@@ -4331,7 +4331,7 @@
           <a:p>
             <a:fld id="{B5BE90A3-8FC3-4BA7-AF50-6655241C0473}" type="datetimeFigureOut">
               <a:rPr lang="es-PE" smtClean="0"/>
-              <a:t>22/02/2017</a:t>
+              <a:t>27/02/2017</a:t>
             </a:fld>
             <a:endParaRPr lang="es-PE"/>
           </a:p>
@@ -4636,7 +4636,7 @@
           <a:p>
             <a:fld id="{B5BE90A3-8FC3-4BA7-AF50-6655241C0473}" type="datetimeFigureOut">
               <a:rPr lang="es-PE" smtClean="0"/>
-              <a:t>22/02/2017</a:t>
+              <a:t>27/02/2017</a:t>
             </a:fld>
             <a:endParaRPr lang="es-PE"/>
           </a:p>
@@ -5338,7 +5338,7 @@
           <a:p>
             <a:fld id="{B5BE90A3-8FC3-4BA7-AF50-6655241C0473}" type="datetimeFigureOut">
               <a:rPr lang="es-PE" smtClean="0"/>
-              <a:t>22/02/2017</a:t>
+              <a:t>27/02/2017</a:t>
             </a:fld>
             <a:endParaRPr lang="es-PE"/>
           </a:p>
@@ -7788,16 +7788,12 @@
           </a:p>
           <a:p>
             <a:r>
-              <a:rPr lang="es-PE" dirty="0" smtClean="0">
-                <a:solidFill>
-                  <a:srgbClr val="FF0000"/>
-                </a:solidFill>
-              </a:rPr>
-              <a:t> </a:t>
+              <a:rPr lang="es-ES" dirty="0" smtClean="0"/>
+              <a:t>Para </a:t>
             </a:r>
             <a:r>
               <a:rPr lang="es-ES" dirty="0"/>
-              <a:t>Para asegurarnos que la aplicación funciona correctamente y sin ningún bug, la única manera es realizar todas las pruebas posibles en todos los escenarios. </a:t>
+              <a:t>asegurarnos que la aplicación funciona correctamente y sin ningún bug, la única manera es realizar todas las pruebas posibles en todos los escenarios. </a:t>
             </a:r>
             <a:endParaRPr lang="es-ES" dirty="0" smtClean="0"/>
           </a:p>
